--- a/ENG19CS0047-AshishKumarDL_Assignment_01.pptx
+++ b/ENG19CS0047-AshishKumarDL_Assignment_01.pptx
@@ -4604,27 +4604,17 @@
               <a:rPr lang="en-US" dirty="0">
                 <a:hlinkClick r:id="rId2"/>
               </a:rPr>
-              <a:t>https://github.com/ENG19CS0047-ASHISH/Deep_learning_assign</a:t>
-            </a:r>
-            <a:r>
-              <a:rPr lang="en-US">
-                <a:hlinkClick r:id="rId2"/>
-              </a:rPr>
-              <a:t>_1</a:t>
-            </a:r>
-            <a:endParaRPr lang="en-US"/>
+              <a:t>https://github.com/ENG19CS0047-ASHISH/Deep_learning_assign_1</a:t>
+            </a:r>
+            <a:endParaRPr lang="en-US" dirty="0"/>
           </a:p>
           <a:p>
             <a:pPr marL="0" indent="0">
               <a:buNone/>
             </a:pPr>
             <a:r>
-              <a:rPr lang="en-US"/>
-              <a:t>Please </a:t>
-            </a:r>
-            <a:r>
               <a:rPr lang="en-US" dirty="0"/>
-              <a:t>find my google </a:t>
+              <a:t>Please find my google </a:t>
             </a:r>
             <a:r>
               <a:rPr lang="en-US" dirty="0" err="1"/>
@@ -4640,9 +4630,10 @@
               <a:buNone/>
             </a:pPr>
             <a:r>
-              <a:rPr lang="en-US" dirty="0"/>
-              <a:t>https://colab.research.google.com/drive/1cSkKHsMlYV2VvrG72lvjlbk_a1mOmkwP</a:t>
-            </a:r>
+              <a:rPr lang="en-US"/>
+              <a:t>https://colab.research.google.com/drive/1Fo9qn_q2RKV5LHjjKs3s3s9GIXDpDDLm?usp=sharing</a:t>
+            </a:r>
+            <a:endParaRPr lang="en-US" dirty="0"/>
           </a:p>
         </p:txBody>
       </p:sp>
